--- a/docs/10. 편리한 기능.pptx
+++ b/docs/10. 편리한 기능.pptx
@@ -5,7 +5,7 @@
     <p:sldMasterId id="2147483648" r:id="rId1"/>
   </p:sldMasterIdLst>
   <p:notesMasterIdLst>
-    <p:notesMasterId r:id="rId56"/>
+    <p:notesMasterId r:id="rId57"/>
   </p:notesMasterIdLst>
   <p:sldIdLst>
     <p:sldId id="257" r:id="rId2"/>
@@ -54,14 +54,15 @@
     <p:sldId id="355" r:id="rId45"/>
     <p:sldId id="356" r:id="rId46"/>
     <p:sldId id="357" r:id="rId47"/>
-    <p:sldId id="359" r:id="rId48"/>
-    <p:sldId id="358" r:id="rId49"/>
-    <p:sldId id="360" r:id="rId50"/>
-    <p:sldId id="361" r:id="rId51"/>
-    <p:sldId id="362" r:id="rId52"/>
-    <p:sldId id="363" r:id="rId53"/>
-    <p:sldId id="260" r:id="rId54"/>
-    <p:sldId id="262" r:id="rId55"/>
+    <p:sldId id="364" r:id="rId48"/>
+    <p:sldId id="359" r:id="rId49"/>
+    <p:sldId id="358" r:id="rId50"/>
+    <p:sldId id="360" r:id="rId51"/>
+    <p:sldId id="361" r:id="rId52"/>
+    <p:sldId id="362" r:id="rId53"/>
+    <p:sldId id="363" r:id="rId54"/>
+    <p:sldId id="260" r:id="rId55"/>
+    <p:sldId id="262" r:id="rId56"/>
   </p:sldIdLst>
   <p:sldSz cx="12192000" cy="6858000"/>
   <p:notesSz cx="6858000" cy="9144000"/>
@@ -1501,7 +1502,7 @@
           <a:p>
             <a:fld id="{EFBA5509-D1D1-47CF-BFB7-E1AA9548D41D}" type="datetimeFigureOut">
               <a:rPr lang="ko-KR" altLang="en-US" smtClean="0"/>
-              <a:t>2023-03-28</a:t>
+              <a:t>2023-03-29</a:t>
             </a:fld>
             <a:endParaRPr lang="ko-KR" altLang="en-US"/>
           </a:p>
@@ -4698,7 +4699,7 @@
     </p:spTree>
     <p:extLst>
       <p:ext uri="{BB962C8B-B14F-4D97-AF65-F5344CB8AC3E}">
-        <p14:creationId xmlns:p14="http://schemas.microsoft.com/office/powerpoint/2010/main" val="3834781051"/>
+        <p14:creationId xmlns:p14="http://schemas.microsoft.com/office/powerpoint/2010/main" val="611268901"/>
       </p:ext>
     </p:extLst>
   </p:cSld>
@@ -4782,7 +4783,7 @@
     </p:spTree>
     <p:extLst>
       <p:ext uri="{BB962C8B-B14F-4D97-AF65-F5344CB8AC3E}">
-        <p14:creationId xmlns:p14="http://schemas.microsoft.com/office/powerpoint/2010/main" val="3554111950"/>
+        <p14:creationId xmlns:p14="http://schemas.microsoft.com/office/powerpoint/2010/main" val="3834781051"/>
       </p:ext>
     </p:extLst>
   </p:cSld>
@@ -4857,7 +4858,7 @@
           <a:p>
             <a:fld id="{145D4F75-7E5F-419D-AB03-9C193CB4F170}" type="slidenum">
               <a:rPr lang="ko-KR" altLang="en-US" smtClean="0"/>
-              <a:t>50</a:t>
+              <a:t>49</a:t>
             </a:fld>
             <a:endParaRPr lang="ko-KR" altLang="en-US"/>
           </a:p>
@@ -4866,7 +4867,7 @@
     </p:spTree>
     <p:extLst>
       <p:ext uri="{BB962C8B-B14F-4D97-AF65-F5344CB8AC3E}">
-        <p14:creationId xmlns:p14="http://schemas.microsoft.com/office/powerpoint/2010/main" val="2075438091"/>
+        <p14:creationId xmlns:p14="http://schemas.microsoft.com/office/powerpoint/2010/main" val="3554111950"/>
       </p:ext>
     </p:extLst>
   </p:cSld>
@@ -4950,7 +4951,7 @@
     </p:spTree>
     <p:extLst>
       <p:ext uri="{BB962C8B-B14F-4D97-AF65-F5344CB8AC3E}">
-        <p14:creationId xmlns:p14="http://schemas.microsoft.com/office/powerpoint/2010/main" val="3323105350"/>
+        <p14:creationId xmlns:p14="http://schemas.microsoft.com/office/powerpoint/2010/main" val="2075438091"/>
       </p:ext>
     </p:extLst>
   </p:cSld>
@@ -5026,6 +5027,90 @@
             <a:fld id="{145D4F75-7E5F-419D-AB03-9C193CB4F170}" type="slidenum">
               <a:rPr lang="ko-KR" altLang="en-US" smtClean="0"/>
               <a:t>52</a:t>
+            </a:fld>
+            <a:endParaRPr lang="ko-KR" altLang="en-US"/>
+          </a:p>
+        </p:txBody>
+      </p:sp>
+    </p:spTree>
+    <p:extLst>
+      <p:ext uri="{BB962C8B-B14F-4D97-AF65-F5344CB8AC3E}">
+        <p14:creationId xmlns:p14="http://schemas.microsoft.com/office/powerpoint/2010/main" val="3323105350"/>
+      </p:ext>
+    </p:extLst>
+  </p:cSld>
+  <p:clrMapOvr>
+    <a:masterClrMapping/>
+  </p:clrMapOvr>
+</p:notes>
+</file>
+
+<file path=ppt/notesSlides/notesSlide45.xml><?xml version="1.0" encoding="utf-8"?>
+<p:notes xmlns:a="http://schemas.openxmlformats.org/drawingml/2006/main" xmlns:r="http://schemas.openxmlformats.org/officeDocument/2006/relationships" xmlns:p="http://schemas.openxmlformats.org/presentationml/2006/main">
+  <p:cSld>
+    <p:spTree>
+      <p:nvGrpSpPr>
+        <p:cNvPr id="1" name=""/>
+        <p:cNvGrpSpPr/>
+        <p:nvPr/>
+      </p:nvGrpSpPr>
+      <p:grpSpPr>
+        <a:xfrm>
+          <a:off x="0" y="0"/>
+          <a:ext cx="0" cy="0"/>
+          <a:chOff x="0" y="0"/>
+          <a:chExt cx="0" cy="0"/>
+        </a:xfrm>
+      </p:grpSpPr>
+      <p:sp>
+        <p:nvSpPr>
+          <p:cNvPr id="2" name="슬라이드 이미지 개체 틀 1"/>
+          <p:cNvSpPr>
+            <a:spLocks noGrp="1" noRot="1" noChangeAspect="1"/>
+          </p:cNvSpPr>
+          <p:nvPr>
+            <p:ph type="sldImg"/>
+          </p:nvPr>
+        </p:nvSpPr>
+        <p:spPr/>
+      </p:sp>
+      <p:sp>
+        <p:nvSpPr>
+          <p:cNvPr id="3" name="슬라이드 노트 개체 틀 2"/>
+          <p:cNvSpPr>
+            <a:spLocks noGrp="1"/>
+          </p:cNvSpPr>
+          <p:nvPr>
+            <p:ph type="body" idx="1"/>
+          </p:nvPr>
+        </p:nvSpPr>
+        <p:spPr/>
+        <p:txBody>
+          <a:bodyPr/>
+          <a:lstStyle/>
+          <a:p>
+            <a:endParaRPr lang="ko-KR" altLang="en-US" dirty="0"/>
+          </a:p>
+        </p:txBody>
+      </p:sp>
+      <p:sp>
+        <p:nvSpPr>
+          <p:cNvPr id="4" name="슬라이드 번호 개체 틀 3"/>
+          <p:cNvSpPr>
+            <a:spLocks noGrp="1"/>
+          </p:cNvSpPr>
+          <p:nvPr>
+            <p:ph type="sldNum" sz="quarter" idx="5"/>
+          </p:nvPr>
+        </p:nvSpPr>
+        <p:spPr/>
+        <p:txBody>
+          <a:bodyPr/>
+          <a:lstStyle/>
+          <a:p>
+            <a:fld id="{145D4F75-7E5F-419D-AB03-9C193CB4F170}" type="slidenum">
+              <a:rPr lang="ko-KR" altLang="en-US" smtClean="0"/>
+              <a:t>53</a:t>
             </a:fld>
             <a:endParaRPr lang="ko-KR" altLang="en-US"/>
           </a:p>
@@ -5611,7 +5696,7 @@
           <a:p>
             <a:fld id="{2E2D5BC7-3CC9-4CF8-9043-E85E9F2EC4FF}" type="datetimeFigureOut">
               <a:rPr lang="ko-KR" altLang="en-US" smtClean="0"/>
-              <a:t>2023-03-28</a:t>
+              <a:t>2023-03-29</a:t>
             </a:fld>
             <a:endParaRPr lang="ko-KR" altLang="en-US"/>
           </a:p>
@@ -5809,7 +5894,7 @@
           <a:p>
             <a:fld id="{2E2D5BC7-3CC9-4CF8-9043-E85E9F2EC4FF}" type="datetimeFigureOut">
               <a:rPr lang="ko-KR" altLang="en-US" smtClean="0"/>
-              <a:t>2023-03-28</a:t>
+              <a:t>2023-03-29</a:t>
             </a:fld>
             <a:endParaRPr lang="ko-KR" altLang="en-US"/>
           </a:p>
@@ -6017,7 +6102,7 @@
           <a:p>
             <a:fld id="{2E2D5BC7-3CC9-4CF8-9043-E85E9F2EC4FF}" type="datetimeFigureOut">
               <a:rPr lang="ko-KR" altLang="en-US" smtClean="0"/>
-              <a:t>2023-03-28</a:t>
+              <a:t>2023-03-29</a:t>
             </a:fld>
             <a:endParaRPr lang="ko-KR" altLang="en-US"/>
           </a:p>
@@ -6215,7 +6300,7 @@
           <a:p>
             <a:fld id="{2E2D5BC7-3CC9-4CF8-9043-E85E9F2EC4FF}" type="datetimeFigureOut">
               <a:rPr lang="ko-KR" altLang="en-US" smtClean="0"/>
-              <a:t>2023-03-28</a:t>
+              <a:t>2023-03-29</a:t>
             </a:fld>
             <a:endParaRPr lang="ko-KR" altLang="en-US"/>
           </a:p>
@@ -6490,7 +6575,7 @@
           <a:p>
             <a:fld id="{2E2D5BC7-3CC9-4CF8-9043-E85E9F2EC4FF}" type="datetimeFigureOut">
               <a:rPr lang="ko-KR" altLang="en-US" smtClean="0"/>
-              <a:t>2023-03-28</a:t>
+              <a:t>2023-03-29</a:t>
             </a:fld>
             <a:endParaRPr lang="ko-KR" altLang="en-US"/>
           </a:p>
@@ -6755,7 +6840,7 @@
           <a:p>
             <a:fld id="{2E2D5BC7-3CC9-4CF8-9043-E85E9F2EC4FF}" type="datetimeFigureOut">
               <a:rPr lang="ko-KR" altLang="en-US" smtClean="0"/>
-              <a:t>2023-03-28</a:t>
+              <a:t>2023-03-29</a:t>
             </a:fld>
             <a:endParaRPr lang="ko-KR" altLang="en-US"/>
           </a:p>
@@ -7167,7 +7252,7 @@
           <a:p>
             <a:fld id="{2E2D5BC7-3CC9-4CF8-9043-E85E9F2EC4FF}" type="datetimeFigureOut">
               <a:rPr lang="ko-KR" altLang="en-US" smtClean="0"/>
-              <a:t>2023-03-28</a:t>
+              <a:t>2023-03-29</a:t>
             </a:fld>
             <a:endParaRPr lang="ko-KR" altLang="en-US"/>
           </a:p>
@@ -7308,7 +7393,7 @@
           <a:p>
             <a:fld id="{2E2D5BC7-3CC9-4CF8-9043-E85E9F2EC4FF}" type="datetimeFigureOut">
               <a:rPr lang="ko-KR" altLang="en-US" smtClean="0"/>
-              <a:t>2023-03-28</a:t>
+              <a:t>2023-03-29</a:t>
             </a:fld>
             <a:endParaRPr lang="ko-KR" altLang="en-US"/>
           </a:p>
@@ -7421,7 +7506,7 @@
           <a:p>
             <a:fld id="{2E2D5BC7-3CC9-4CF8-9043-E85E9F2EC4FF}" type="datetimeFigureOut">
               <a:rPr lang="ko-KR" altLang="en-US" smtClean="0"/>
-              <a:t>2023-03-28</a:t>
+              <a:t>2023-03-29</a:t>
             </a:fld>
             <a:endParaRPr lang="ko-KR" altLang="en-US"/>
           </a:p>
@@ -7732,7 +7817,7 @@
           <a:p>
             <a:fld id="{2E2D5BC7-3CC9-4CF8-9043-E85E9F2EC4FF}" type="datetimeFigureOut">
               <a:rPr lang="ko-KR" altLang="en-US" smtClean="0"/>
-              <a:t>2023-03-28</a:t>
+              <a:t>2023-03-29</a:t>
             </a:fld>
             <a:endParaRPr lang="ko-KR" altLang="en-US"/>
           </a:p>
@@ -8020,7 +8105,7 @@
           <a:p>
             <a:fld id="{2E2D5BC7-3CC9-4CF8-9043-E85E9F2EC4FF}" type="datetimeFigureOut">
               <a:rPr lang="ko-KR" altLang="en-US" smtClean="0"/>
-              <a:t>2023-03-28</a:t>
+              <a:t>2023-03-29</a:t>
             </a:fld>
             <a:endParaRPr lang="ko-KR" altLang="en-US"/>
           </a:p>
@@ -8261,7 +8346,7 @@
           <a:p>
             <a:fld id="{2E2D5BC7-3CC9-4CF8-9043-E85E9F2EC4FF}" type="datetimeFigureOut">
               <a:rPr lang="ko-KR" altLang="en-US" smtClean="0"/>
-              <a:t>2023-03-28</a:t>
+              <a:t>2023-03-29</a:t>
             </a:fld>
             <a:endParaRPr lang="ko-KR" altLang="en-US"/>
           </a:p>
@@ -8825,8 +8910,8 @@
         </p:nvSpPr>
         <p:spPr>
           <a:xfrm>
-            <a:off x="4972963" y="3105835"/>
-            <a:ext cx="2246129" cy="646331"/>
+            <a:off x="4714079" y="3105835"/>
+            <a:ext cx="2763898" cy="646331"/>
           </a:xfrm>
           <a:prstGeom prst="rect">
             <a:avLst/>
@@ -8842,7 +8927,7 @@
             <a:pPr algn="ctr"/>
             <a:r>
               <a:rPr lang="en-US" altLang="ko-KR" sz="3600" dirty="0"/>
-              <a:t>amend </a:t>
+              <a:t>2. amend </a:t>
             </a:r>
             <a:r>
               <a:rPr lang="ko-KR" altLang="en-US" sz="3600" dirty="0"/>
@@ -12037,8 +12122,8 @@
         </p:nvSpPr>
         <p:spPr>
           <a:xfrm>
-            <a:off x="2636608" y="5918479"/>
-            <a:ext cx="6918881" cy="646331"/>
+            <a:off x="2726376" y="5918479"/>
+            <a:ext cx="6739345" cy="646331"/>
           </a:xfrm>
           <a:prstGeom prst="rect">
             <a:avLst/>
@@ -12061,12 +12146,12 @@
               <a:t>는 </a:t>
             </a:r>
             <a:r>
-              <a:rPr lang="en-US" altLang="ko-KR" dirty="0"/>
-              <a:t>html</a:t>
+              <a:rPr lang="en-US" altLang="ko-KR" dirty="0" err="1"/>
+              <a:t>jsp</a:t>
             </a:r>
             <a:r>
               <a:rPr lang="ko-KR" altLang="en-US" dirty="0"/>
-              <a:t>이 포함된 </a:t>
+              <a:t>가 포함된 </a:t>
             </a:r>
             <a:r>
               <a:rPr lang="ko-KR" altLang="en-US" dirty="0" err="1"/>
@@ -12591,8 +12676,8 @@
         </p:nvSpPr>
         <p:spPr>
           <a:xfrm>
-            <a:off x="4972963" y="3105835"/>
-            <a:ext cx="2246129" cy="646331"/>
+            <a:off x="4714079" y="3105835"/>
+            <a:ext cx="2763898" cy="646331"/>
           </a:xfrm>
           <a:prstGeom prst="rect">
             <a:avLst/>
@@ -12608,7 +12693,7 @@
             <a:pPr algn="ctr"/>
             <a:r>
               <a:rPr lang="en-US" altLang="ko-KR" sz="3600" dirty="0"/>
-              <a:t>amend </a:t>
+              <a:t>1. amend </a:t>
             </a:r>
             <a:r>
               <a:rPr lang="ko-KR" altLang="en-US" sz="3600" dirty="0"/>
@@ -13675,8 +13760,8 @@
         </p:nvSpPr>
         <p:spPr>
           <a:xfrm>
-            <a:off x="4833889" y="3105835"/>
-            <a:ext cx="2524281" cy="646331"/>
+            <a:off x="4575005" y="3105835"/>
+            <a:ext cx="3042051" cy="646331"/>
           </a:xfrm>
           <a:prstGeom prst="rect">
             <a:avLst/>
@@ -13692,7 +13777,7 @@
             <a:pPr algn="ctr"/>
             <a:r>
               <a:rPr lang="en-US" altLang="ko-KR" sz="3600" dirty="0"/>
-              <a:t>cherry-pick</a:t>
+              <a:t>3. cherry-pick</a:t>
             </a:r>
             <a:endParaRPr lang="ko-KR" altLang="en-US" sz="3600" dirty="0"/>
           </a:p>
@@ -14532,7 +14617,11 @@
             </a:r>
             <a:r>
               <a:rPr lang="ko-KR" altLang="en-US" dirty="0" err="1"/>
-              <a:t>체리픽입니다</a:t>
+              <a:t>체리픽</a:t>
+            </a:r>
+            <a:r>
+              <a:rPr lang="ko-KR" altLang="en-US" dirty="0"/>
+              <a:t> 기능입니다</a:t>
             </a:r>
             <a:r>
               <a:rPr lang="en-US" altLang="ko-KR" dirty="0"/>
@@ -14547,7 +14636,7 @@
             </a:r>
             <a:r>
               <a:rPr lang="ko-KR" altLang="en-US" dirty="0" err="1"/>
-              <a:t>커밋위에서</a:t>
+              <a:t>커밋에서</a:t>
             </a:r>
             <a:r>
               <a:rPr lang="ko-KR" altLang="en-US" dirty="0"/>
@@ -17049,8 +17138,8 @@
         </p:nvSpPr>
         <p:spPr>
           <a:xfrm>
-            <a:off x="1986577" y="3105835"/>
-            <a:ext cx="8218917" cy="646331"/>
+            <a:off x="1415916" y="3105835"/>
+            <a:ext cx="9360255" cy="646331"/>
           </a:xfrm>
           <a:prstGeom prst="rect">
             <a:avLst/>
@@ -17065,18 +17154,21 @@
           <a:p>
             <a:pPr algn="ctr"/>
             <a:r>
+              <a:rPr lang="en-US" altLang="ko-KR" sz="3600" dirty="0"/>
+              <a:t>4. </a:t>
+            </a:r>
+            <a:r>
+              <a:rPr lang="ko-KR" altLang="en-US" sz="3600" dirty="0"/>
+              <a:t>잘못 커밋했을 때 </a:t>
+            </a:r>
+            <a:r>
               <a:rPr lang="ko-KR" altLang="en-US" sz="3600" dirty="0" err="1"/>
               <a:t>브랜치를</a:t>
             </a:r>
             <a:r>
               <a:rPr lang="ko-KR" altLang="en-US" sz="3600" dirty="0"/>
-              <a:t> 활용한 깔끔한 그래프 </a:t>
-            </a:r>
-            <a:r>
-              <a:rPr lang="ko-KR" altLang="en-US" sz="3600" dirty="0" err="1"/>
-              <a:t>유지법</a:t>
-            </a:r>
-            <a:endParaRPr lang="ko-KR" altLang="en-US" sz="3600" dirty="0"/>
+              <a:t> 활용하는 방법</a:t>
+            </a:r>
           </a:p>
         </p:txBody>
       </p:sp>
@@ -18220,8 +18312,8 @@
         </p:nvSpPr>
         <p:spPr>
           <a:xfrm>
-            <a:off x="5498816" y="3105835"/>
-            <a:ext cx="1194431" cy="646331"/>
+            <a:off x="5239932" y="3105835"/>
+            <a:ext cx="1712200" cy="646331"/>
           </a:xfrm>
           <a:prstGeom prst="rect">
             <a:avLst/>
@@ -18237,7 +18329,7 @@
             <a:pPr algn="ctr"/>
             <a:r>
               <a:rPr lang="en-US" altLang="ko-KR" sz="3600" dirty="0"/>
-              <a:t>reset</a:t>
+              <a:t>5. reset</a:t>
             </a:r>
             <a:endParaRPr lang="ko-KR" altLang="en-US" sz="3600" dirty="0"/>
           </a:p>
@@ -18347,8 +18439,8 @@
         </p:nvSpPr>
         <p:spPr>
           <a:xfrm>
-            <a:off x="1980201" y="5918479"/>
-            <a:ext cx="8231934" cy="369332"/>
+            <a:off x="1954554" y="5918479"/>
+            <a:ext cx="8283229" cy="646331"/>
           </a:xfrm>
           <a:prstGeom prst="rect">
             <a:avLst/>
@@ -18393,6 +18485,25 @@
             <a:r>
               <a:rPr lang="ko-KR" altLang="en-US" dirty="0"/>
               <a:t>들을 지워봅시다</a:t>
+            </a:r>
+            <a:r>
+              <a:rPr lang="en-US" altLang="ko-KR" dirty="0"/>
+              <a:t>.</a:t>
+            </a:r>
+          </a:p>
+          <a:p>
+            <a:pPr algn="ctr"/>
+            <a:r>
+              <a:rPr lang="ko-KR" altLang="en-US" dirty="0"/>
+              <a:t>이 때 사용할 수 있는 기능은 </a:t>
+            </a:r>
+            <a:r>
+              <a:rPr lang="en-US" altLang="ko-KR" dirty="0"/>
+              <a:t>reset </a:t>
+            </a:r>
+            <a:r>
+              <a:rPr lang="ko-KR" altLang="en-US" dirty="0"/>
+              <a:t>기능입니다</a:t>
             </a:r>
             <a:r>
               <a:rPr lang="en-US" altLang="ko-KR" dirty="0"/>
@@ -19339,52 +19450,22 @@
           </a:p>
         </p:txBody>
       </p:sp>
-      <p:pic>
-        <p:nvPicPr>
-          <p:cNvPr id="5" name="그림 4">
-            <a:extLst>
-              <a:ext uri="{FF2B5EF4-FFF2-40B4-BE49-F238E27FC236}">
-                <a16:creationId xmlns:a16="http://schemas.microsoft.com/office/drawing/2014/main" id="{15E8CB39-D780-19A0-EA63-F0BFD8D416D2}"/>
-              </a:ext>
-            </a:extLst>
-          </p:cNvPr>
-          <p:cNvPicPr>
-            <a:picLocks noChangeAspect="1"/>
-          </p:cNvPicPr>
+      <p:sp>
+        <p:nvSpPr>
+          <p:cNvPr id="6" name="TextBox 5">
+            <a:extLst>
+              <a:ext uri="{FF2B5EF4-FFF2-40B4-BE49-F238E27FC236}">
+                <a16:creationId xmlns:a16="http://schemas.microsoft.com/office/drawing/2014/main" id="{18E91ED0-CD2C-3516-ACD5-477B45D853D5}"/>
+              </a:ext>
+            </a:extLst>
+          </p:cNvPr>
+          <p:cNvSpPr txBox="1"/>
           <p:nvPr/>
-        </p:nvPicPr>
-        <p:blipFill>
-          <a:blip r:embed="rId3"/>
-          <a:stretch>
-            <a:fillRect/>
-          </a:stretch>
-        </p:blipFill>
+        </p:nvSpPr>
         <p:spPr>
           <a:xfrm>
-            <a:off x="2359269" y="1934307"/>
-            <a:ext cx="7473462" cy="2989386"/>
-          </a:xfrm>
-          <a:prstGeom prst="rect">
-            <a:avLst/>
-          </a:prstGeom>
-        </p:spPr>
-      </p:pic>
-      <p:sp>
-        <p:nvSpPr>
-          <p:cNvPr id="6" name="TextBox 5">
-            <a:extLst>
-              <a:ext uri="{FF2B5EF4-FFF2-40B4-BE49-F238E27FC236}">
-                <a16:creationId xmlns:a16="http://schemas.microsoft.com/office/drawing/2014/main" id="{18E91ED0-CD2C-3516-ACD5-477B45D853D5}"/>
-              </a:ext>
-            </a:extLst>
-          </p:cNvPr>
-          <p:cNvSpPr txBox="1"/>
-          <p:nvPr/>
-        </p:nvSpPr>
-        <p:spPr>
-          <a:xfrm>
-            <a:off x="2029125" y="5918479"/>
-            <a:ext cx="8134150" cy="646331"/>
+            <a:off x="454975" y="6204982"/>
+            <a:ext cx="11282449" cy="369332"/>
           </a:xfrm>
           <a:prstGeom prst="rect">
             <a:avLst/>
@@ -19416,7 +19497,7 @@
             </a:r>
             <a:r>
               <a:rPr lang="ko-KR" altLang="en-US" dirty="0"/>
-              <a:t> 상관이 없었던 </a:t>
+              <a:t> 상관이 없는 </a:t>
             </a:r>
             <a:r>
               <a:rPr lang="en-US" altLang="ko-KR" dirty="0" err="1"/>
@@ -19430,10 +19511,10 @@
               <a:rPr lang="ko-KR" altLang="en-US" dirty="0" err="1"/>
               <a:t>커밋들이</a:t>
             </a:r>
-            <a:endParaRPr lang="en-US" altLang="ko-KR" dirty="0"/>
-          </a:p>
-          <a:p>
-            <a:pPr algn="ctr"/>
+            <a:r>
+              <a:rPr lang="en-US" altLang="ko-KR" dirty="0"/>
+              <a:t> </a:t>
+            </a:r>
             <a:r>
               <a:rPr lang="ko-KR" altLang="en-US" dirty="0"/>
               <a:t>제거된 것을 확인할 수 있습니다</a:t>
@@ -19445,6 +19526,157 @@
           </a:p>
         </p:txBody>
       </p:sp>
+      <p:grpSp>
+        <p:nvGrpSpPr>
+          <p:cNvPr id="8" name="그룹 7">
+            <a:extLst>
+              <a:ext uri="{FF2B5EF4-FFF2-40B4-BE49-F238E27FC236}">
+                <a16:creationId xmlns:a16="http://schemas.microsoft.com/office/drawing/2014/main" id="{993DDAA5-68E5-6A2B-2D17-9A1A17C1F5C9}"/>
+              </a:ext>
+            </a:extLst>
+          </p:cNvPr>
+          <p:cNvGrpSpPr/>
+          <p:nvPr/>
+        </p:nvGrpSpPr>
+        <p:grpSpPr>
+          <a:xfrm>
+            <a:off x="2459026" y="930963"/>
+            <a:ext cx="7273949" cy="4797759"/>
+            <a:chOff x="0" y="791769"/>
+            <a:chExt cx="7273949" cy="4797759"/>
+          </a:xfrm>
+        </p:grpSpPr>
+        <p:pic>
+          <p:nvPicPr>
+            <p:cNvPr id="5" name="그림 4">
+              <a:extLst>
+                <a:ext uri="{FF2B5EF4-FFF2-40B4-BE49-F238E27FC236}">
+                  <a16:creationId xmlns:a16="http://schemas.microsoft.com/office/drawing/2014/main" id="{15E8CB39-D780-19A0-EA63-F0BFD8D416D2}"/>
+                </a:ext>
+              </a:extLst>
+            </p:cNvPr>
+            <p:cNvPicPr>
+              <a:picLocks noChangeAspect="1"/>
+            </p:cNvPicPr>
+            <p:nvPr/>
+          </p:nvPicPr>
+          <p:blipFill rotWithShape="1">
+            <a:blip r:embed="rId3"/>
+            <a:srcRect t="24581" b="4011"/>
+            <a:stretch/>
+          </p:blipFill>
+          <p:spPr>
+            <a:xfrm>
+              <a:off x="61877" y="3724603"/>
+              <a:ext cx="6529084" cy="1864925"/>
+            </a:xfrm>
+            <a:prstGeom prst="rect">
+              <a:avLst/>
+            </a:prstGeom>
+          </p:spPr>
+        </p:pic>
+        <p:pic>
+          <p:nvPicPr>
+            <p:cNvPr id="3" name="그림 2">
+              <a:extLst>
+                <a:ext uri="{FF2B5EF4-FFF2-40B4-BE49-F238E27FC236}">
+                  <a16:creationId xmlns:a16="http://schemas.microsoft.com/office/drawing/2014/main" id="{AA05685A-B36E-06A0-296B-4B53FC4F655A}"/>
+                </a:ext>
+              </a:extLst>
+            </p:cNvPr>
+            <p:cNvPicPr>
+              <a:picLocks noChangeAspect="1"/>
+            </p:cNvPicPr>
+            <p:nvPr/>
+          </p:nvPicPr>
+          <p:blipFill rotWithShape="1">
+            <a:blip r:embed="rId4"/>
+            <a:srcRect t="22289"/>
+            <a:stretch/>
+          </p:blipFill>
+          <p:spPr>
+            <a:xfrm>
+              <a:off x="61877" y="1163725"/>
+              <a:ext cx="7212072" cy="1647495"/>
+            </a:xfrm>
+            <a:prstGeom prst="rect">
+              <a:avLst/>
+            </a:prstGeom>
+          </p:spPr>
+        </p:pic>
+        <p:sp>
+          <p:nvSpPr>
+            <p:cNvPr id="4" name="TextBox 3">
+              <a:extLst>
+                <a:ext uri="{FF2B5EF4-FFF2-40B4-BE49-F238E27FC236}">
+                  <a16:creationId xmlns:a16="http://schemas.microsoft.com/office/drawing/2014/main" id="{241960EB-FECC-B165-9810-79539CA2F6B7}"/>
+                </a:ext>
+              </a:extLst>
+            </p:cNvPr>
+            <p:cNvSpPr txBox="1"/>
+            <p:nvPr/>
+          </p:nvSpPr>
+          <p:spPr>
+            <a:xfrm>
+              <a:off x="0" y="791769"/>
+              <a:ext cx="941283" cy="369332"/>
+            </a:xfrm>
+            <a:prstGeom prst="rect">
+              <a:avLst/>
+            </a:prstGeom>
+            <a:noFill/>
+          </p:spPr>
+          <p:txBody>
+            <a:bodyPr wrap="none" rtlCol="0">
+              <a:spAutoFit/>
+            </a:bodyPr>
+            <a:lstStyle/>
+            <a:p>
+              <a:r>
+                <a:rPr lang="en-US" altLang="ko-KR" b="1" dirty="0"/>
+                <a:t>[AS-IS]</a:t>
+              </a:r>
+              <a:endParaRPr lang="ko-KR" altLang="en-US" b="1" dirty="0"/>
+            </a:p>
+          </p:txBody>
+        </p:sp>
+        <p:sp>
+          <p:nvSpPr>
+            <p:cNvPr id="7" name="TextBox 6">
+              <a:extLst>
+                <a:ext uri="{FF2B5EF4-FFF2-40B4-BE49-F238E27FC236}">
+                  <a16:creationId xmlns:a16="http://schemas.microsoft.com/office/drawing/2014/main" id="{76EB762A-46D2-F81B-6620-7E0E9D77B65C}"/>
+                </a:ext>
+              </a:extLst>
+            </p:cNvPr>
+            <p:cNvSpPr txBox="1"/>
+            <p:nvPr/>
+          </p:nvSpPr>
+          <p:spPr>
+            <a:xfrm>
+              <a:off x="0" y="3315621"/>
+              <a:ext cx="1024768" cy="369332"/>
+            </a:xfrm>
+            <a:prstGeom prst="rect">
+              <a:avLst/>
+            </a:prstGeom>
+            <a:noFill/>
+          </p:spPr>
+          <p:txBody>
+            <a:bodyPr wrap="none" rtlCol="0">
+              <a:spAutoFit/>
+            </a:bodyPr>
+            <a:lstStyle/>
+            <a:p>
+              <a:r>
+                <a:rPr lang="en-US" altLang="ko-KR" b="1" dirty="0"/>
+                <a:t>[TO-BE]</a:t>
+              </a:r>
+              <a:endParaRPr lang="ko-KR" altLang="en-US" b="1" dirty="0"/>
+            </a:p>
+          </p:txBody>
+        </p:sp>
+      </p:grpSp>
     </p:spTree>
     <p:extLst>
       <p:ext uri="{BB962C8B-B14F-4D97-AF65-F5344CB8AC3E}">
@@ -19489,8 +19721,8 @@
         </p:nvSpPr>
         <p:spPr>
           <a:xfrm>
-            <a:off x="5399301" y="3105835"/>
-            <a:ext cx="1393459" cy="646331"/>
+            <a:off x="5140417" y="3105835"/>
+            <a:ext cx="1911229" cy="646331"/>
           </a:xfrm>
           <a:prstGeom prst="rect">
             <a:avLst/>
@@ -19506,7 +19738,7 @@
             <a:pPr algn="ctr"/>
             <a:r>
               <a:rPr lang="en-US" altLang="ko-KR" sz="3600" dirty="0"/>
-              <a:t>revert</a:t>
+              <a:t>6. revert</a:t>
             </a:r>
             <a:endParaRPr lang="ko-KR" altLang="en-US" sz="3600" dirty="0"/>
           </a:p>
@@ -19638,8 +19870,8 @@
         </p:nvSpPr>
         <p:spPr>
           <a:xfrm>
-            <a:off x="3334842" y="6139542"/>
-            <a:ext cx="5522666" cy="369332"/>
+            <a:off x="3193778" y="6139542"/>
+            <a:ext cx="5804795" cy="369332"/>
           </a:xfrm>
           <a:prstGeom prst="rect">
             <a:avLst/>
@@ -19655,7 +19887,7 @@
             <a:pPr algn="ctr"/>
             <a:r>
               <a:rPr lang="ko-KR" altLang="en-US" dirty="0"/>
-              <a:t>공고 상세 페이지에서 공고 삭제 기능을 개발했어요</a:t>
+              <a:t>공고 상세 페이지에서 공고 삭제 기능을 개발했습니다</a:t>
             </a:r>
             <a:r>
               <a:rPr lang="en-US" altLang="ko-KR" dirty="0"/>
@@ -19834,7 +20066,7 @@
             </a:r>
             <a:r>
               <a:rPr lang="ko-KR" altLang="en-US" dirty="0"/>
-              <a:t>를 사용합니다</a:t>
+              <a:t>기능을 사용합니다</a:t>
             </a:r>
             <a:r>
               <a:rPr lang="en-US" altLang="ko-KR" dirty="0"/>
@@ -20525,6 +20757,325 @@
           </a:p>
         </p:txBody>
       </p:sp>
+      <p:grpSp>
+        <p:nvGrpSpPr>
+          <p:cNvPr id="13" name="그룹 12">
+            <a:extLst>
+              <a:ext uri="{FF2B5EF4-FFF2-40B4-BE49-F238E27FC236}">
+                <a16:creationId xmlns:a16="http://schemas.microsoft.com/office/drawing/2014/main" id="{ED68116C-032C-563B-D5F1-BC55E964F4C7}"/>
+              </a:ext>
+            </a:extLst>
+          </p:cNvPr>
+          <p:cNvGrpSpPr/>
+          <p:nvPr/>
+        </p:nvGrpSpPr>
+        <p:grpSpPr>
+          <a:xfrm>
+            <a:off x="1244858" y="1390448"/>
+            <a:ext cx="9702285" cy="3410545"/>
+            <a:chOff x="1140282" y="1039814"/>
+            <a:chExt cx="9702285" cy="3410545"/>
+          </a:xfrm>
+        </p:grpSpPr>
+        <p:grpSp>
+          <p:nvGrpSpPr>
+            <p:cNvPr id="12" name="그룹 11">
+              <a:extLst>
+                <a:ext uri="{FF2B5EF4-FFF2-40B4-BE49-F238E27FC236}">
+                  <a16:creationId xmlns:a16="http://schemas.microsoft.com/office/drawing/2014/main" id="{C42C654F-D0B6-B9BC-310F-82C51F8D947A}"/>
+                </a:ext>
+              </a:extLst>
+            </p:cNvPr>
+            <p:cNvGrpSpPr/>
+            <p:nvPr/>
+          </p:nvGrpSpPr>
+          <p:grpSpPr>
+            <a:xfrm>
+              <a:off x="1140282" y="1039814"/>
+              <a:ext cx="4529566" cy="3346288"/>
+              <a:chOff x="214315" y="1039814"/>
+              <a:chExt cx="4529566" cy="3346288"/>
+            </a:xfrm>
+          </p:grpSpPr>
+          <p:sp>
+            <p:nvSpPr>
+              <p:cNvPr id="3" name="TextBox 2">
+                <a:extLst>
+                  <a:ext uri="{FF2B5EF4-FFF2-40B4-BE49-F238E27FC236}">
+                    <a16:creationId xmlns:a16="http://schemas.microsoft.com/office/drawing/2014/main" id="{04DA3271-6331-1A2A-6218-46BD2F2AF8D7}"/>
+                  </a:ext>
+                </a:extLst>
+              </p:cNvPr>
+              <p:cNvSpPr txBox="1"/>
+              <p:nvPr/>
+            </p:nvSpPr>
+            <p:spPr>
+              <a:xfrm>
+                <a:off x="214315" y="1039814"/>
+                <a:ext cx="941283" cy="369332"/>
+              </a:xfrm>
+              <a:prstGeom prst="rect">
+                <a:avLst/>
+              </a:prstGeom>
+              <a:noFill/>
+            </p:spPr>
+            <p:txBody>
+              <a:bodyPr wrap="none" rtlCol="0">
+                <a:spAutoFit/>
+              </a:bodyPr>
+              <a:lstStyle/>
+              <a:p>
+                <a:r>
+                  <a:rPr lang="en-US" altLang="ko-KR" b="1" dirty="0"/>
+                  <a:t>[AS-IS]</a:t>
+                </a:r>
+                <a:endParaRPr lang="ko-KR" altLang="en-US" b="1" dirty="0"/>
+              </a:p>
+            </p:txBody>
+          </p:sp>
+          <p:pic>
+            <p:nvPicPr>
+              <p:cNvPr id="4" name="그림 3">
+                <a:extLst>
+                  <a:ext uri="{FF2B5EF4-FFF2-40B4-BE49-F238E27FC236}">
+                    <a16:creationId xmlns:a16="http://schemas.microsoft.com/office/drawing/2014/main" id="{37AC25A7-FAAF-0BC5-F2D4-4D1DFC20595D}"/>
+                  </a:ext>
+                </a:extLst>
+              </p:cNvPr>
+              <p:cNvPicPr>
+                <a:picLocks noChangeAspect="1"/>
+              </p:cNvPicPr>
+              <p:nvPr/>
+            </p:nvPicPr>
+            <p:blipFill rotWithShape="1">
+              <a:blip r:embed="rId3"/>
+              <a:srcRect l="50000" t="56178" r="19135"/>
+              <a:stretch/>
+            </p:blipFill>
+            <p:spPr>
+              <a:xfrm>
+                <a:off x="320573" y="1409146"/>
+                <a:ext cx="4423308" cy="2976956"/>
+              </a:xfrm>
+              <a:prstGeom prst="rect">
+                <a:avLst/>
+              </a:prstGeom>
+            </p:spPr>
+          </p:pic>
+        </p:grpSp>
+        <p:grpSp>
+          <p:nvGrpSpPr>
+            <p:cNvPr id="11" name="그룹 10">
+              <a:extLst>
+                <a:ext uri="{FF2B5EF4-FFF2-40B4-BE49-F238E27FC236}">
+                  <a16:creationId xmlns:a16="http://schemas.microsoft.com/office/drawing/2014/main" id="{C285331F-CF31-EBBF-A5B6-7BD7F7171FB4}"/>
+                </a:ext>
+              </a:extLst>
+            </p:cNvPr>
+            <p:cNvGrpSpPr/>
+            <p:nvPr/>
+          </p:nvGrpSpPr>
+          <p:grpSpPr>
+            <a:xfrm>
+              <a:off x="6415735" y="1039814"/>
+              <a:ext cx="4426832" cy="3410545"/>
+              <a:chOff x="6415735" y="1039814"/>
+              <a:chExt cx="4426832" cy="3410545"/>
+            </a:xfrm>
+          </p:grpSpPr>
+          <p:pic>
+            <p:nvPicPr>
+              <p:cNvPr id="7" name="그림 6">
+                <a:extLst>
+                  <a:ext uri="{FF2B5EF4-FFF2-40B4-BE49-F238E27FC236}">
+                    <a16:creationId xmlns:a16="http://schemas.microsoft.com/office/drawing/2014/main" id="{78A6F227-3F9C-37B0-94A4-7835FDCF4203}"/>
+                  </a:ext>
+                </a:extLst>
+              </p:cNvPr>
+              <p:cNvPicPr>
+                <a:picLocks noChangeAspect="1"/>
+              </p:cNvPicPr>
+              <p:nvPr/>
+            </p:nvPicPr>
+            <p:blipFill rotWithShape="1">
+              <a:blip r:embed="rId4"/>
+              <a:srcRect l="50000" t="54857" r="19646"/>
+              <a:stretch/>
+            </p:blipFill>
+            <p:spPr>
+              <a:xfrm>
+                <a:off x="6522153" y="1409146"/>
+                <a:ext cx="4320414" cy="3041213"/>
+              </a:xfrm>
+              <a:prstGeom prst="rect">
+                <a:avLst/>
+              </a:prstGeom>
+            </p:spPr>
+          </p:pic>
+          <p:sp>
+            <p:nvSpPr>
+              <p:cNvPr id="9" name="TextBox 8">
+                <a:extLst>
+                  <a:ext uri="{FF2B5EF4-FFF2-40B4-BE49-F238E27FC236}">
+                    <a16:creationId xmlns:a16="http://schemas.microsoft.com/office/drawing/2014/main" id="{21929057-7E79-EB18-393A-3C4E37AD7763}"/>
+                  </a:ext>
+                </a:extLst>
+              </p:cNvPr>
+              <p:cNvSpPr txBox="1"/>
+              <p:nvPr/>
+            </p:nvSpPr>
+            <p:spPr>
+              <a:xfrm>
+                <a:off x="6415735" y="1039814"/>
+                <a:ext cx="1024768" cy="369332"/>
+              </a:xfrm>
+              <a:prstGeom prst="rect">
+                <a:avLst/>
+              </a:prstGeom>
+              <a:noFill/>
+            </p:spPr>
+            <p:txBody>
+              <a:bodyPr wrap="none" rtlCol="0">
+                <a:spAutoFit/>
+              </a:bodyPr>
+              <a:lstStyle/>
+              <a:p>
+                <a:r>
+                  <a:rPr lang="en-US" altLang="ko-KR" b="1" dirty="0"/>
+                  <a:t>[TO-BE]</a:t>
+                </a:r>
+                <a:endParaRPr lang="ko-KR" altLang="en-US" b="1" dirty="0"/>
+              </a:p>
+            </p:txBody>
+          </p:sp>
+        </p:grpSp>
+      </p:grpSp>
+      <p:sp>
+        <p:nvSpPr>
+          <p:cNvPr id="14" name="TextBox 13">
+            <a:extLst>
+              <a:ext uri="{FF2B5EF4-FFF2-40B4-BE49-F238E27FC236}">
+                <a16:creationId xmlns:a16="http://schemas.microsoft.com/office/drawing/2014/main" id="{0C9CE743-663F-4295-7EE4-B4FE6972B34E}"/>
+              </a:ext>
+            </a:extLst>
+          </p:cNvPr>
+          <p:cNvSpPr txBox="1"/>
+          <p:nvPr/>
+        </p:nvSpPr>
+        <p:spPr>
+          <a:xfrm>
+            <a:off x="2139849" y="6139542"/>
+            <a:ext cx="7912744" cy="369332"/>
+          </a:xfrm>
+          <a:prstGeom prst="rect">
+            <a:avLst/>
+          </a:prstGeom>
+          <a:noFill/>
+        </p:spPr>
+        <p:txBody>
+          <a:bodyPr wrap="none" rtlCol="0">
+            <a:spAutoFit/>
+          </a:bodyPr>
+          <a:lstStyle/>
+          <a:p>
+            <a:pPr algn="ctr"/>
+            <a:r>
+              <a:rPr lang="ko-KR" altLang="en-US" dirty="0" err="1"/>
+              <a:t>소스트리에서</a:t>
+            </a:r>
+            <a:r>
+              <a:rPr lang="ko-KR" altLang="en-US" dirty="0"/>
+              <a:t> 초록색은 추가된 부분을 빨간색은 제거된 부분을 의미합니다</a:t>
+            </a:r>
+            <a:r>
+              <a:rPr lang="en-US" altLang="ko-KR" dirty="0"/>
+              <a:t>.</a:t>
+            </a:r>
+          </a:p>
+        </p:txBody>
+      </p:sp>
+    </p:spTree>
+    <p:extLst>
+      <p:ext uri="{BB962C8B-B14F-4D97-AF65-F5344CB8AC3E}">
+        <p14:creationId xmlns:p14="http://schemas.microsoft.com/office/powerpoint/2010/main" val="429439067"/>
+      </p:ext>
+    </p:extLst>
+  </p:cSld>
+  <p:clrMapOvr>
+    <a:masterClrMapping/>
+  </p:clrMapOvr>
+</p:sld>
+</file>
+
+<file path=ppt/slides/slide48.xml><?xml version="1.0" encoding="utf-8"?>
+<p:sld xmlns:a="http://schemas.openxmlformats.org/drawingml/2006/main" xmlns:r="http://schemas.openxmlformats.org/officeDocument/2006/relationships" xmlns:p="http://schemas.openxmlformats.org/presentationml/2006/main">
+  <p:cSld>
+    <p:spTree>
+      <p:nvGrpSpPr>
+        <p:cNvPr id="1" name=""/>
+        <p:cNvGrpSpPr/>
+        <p:nvPr/>
+      </p:nvGrpSpPr>
+      <p:grpSpPr>
+        <a:xfrm>
+          <a:off x="0" y="0"/>
+          <a:ext cx="0" cy="0"/>
+          <a:chOff x="0" y="0"/>
+          <a:chExt cx="0" cy="0"/>
+        </a:xfrm>
+      </p:grpSpPr>
+      <p:sp>
+        <p:nvSpPr>
+          <p:cNvPr id="2" name="TextBox 1">
+            <a:extLst>
+              <a:ext uri="{FF2B5EF4-FFF2-40B4-BE49-F238E27FC236}">
+                <a16:creationId xmlns:a16="http://schemas.microsoft.com/office/drawing/2014/main" id="{2A1CB3E1-0179-A769-9EB1-1D24BD0F0746}"/>
+              </a:ext>
+            </a:extLst>
+          </p:cNvPr>
+          <p:cNvSpPr txBox="1"/>
+          <p:nvPr/>
+        </p:nvSpPr>
+        <p:spPr>
+          <a:xfrm>
+            <a:off x="2262281" y="270561"/>
+            <a:ext cx="7667485" cy="584775"/>
+          </a:xfrm>
+          <a:prstGeom prst="rect">
+            <a:avLst/>
+          </a:prstGeom>
+          <a:noFill/>
+        </p:spPr>
+        <p:txBody>
+          <a:bodyPr wrap="none" rtlCol="0" anchor="ctr">
+            <a:spAutoFit/>
+          </a:bodyPr>
+          <a:lstStyle/>
+          <a:p>
+            <a:pPr algn="ctr"/>
+            <a:r>
+              <a:rPr lang="en-US" altLang="ko-KR" sz="3200" dirty="0"/>
+              <a:t>[</a:t>
+            </a:r>
+            <a:r>
+              <a:rPr lang="ko-KR" altLang="en-US" sz="3200" dirty="0"/>
+              <a:t>이 </a:t>
+            </a:r>
+            <a:r>
+              <a:rPr lang="ko-KR" altLang="en-US" sz="3200" dirty="0" err="1"/>
+              <a:t>커밋의</a:t>
+            </a:r>
+            <a:r>
+              <a:rPr lang="ko-KR" altLang="en-US" sz="3200" dirty="0"/>
+              <a:t> 변경사항을 되돌리고 싶어요</a:t>
+            </a:r>
+            <a:r>
+              <a:rPr lang="en-US" altLang="ko-KR" sz="3200" dirty="0"/>
+              <a:t>.]</a:t>
+            </a:r>
+          </a:p>
+        </p:txBody>
+      </p:sp>
       <p:sp>
         <p:nvSpPr>
           <p:cNvPr id="10" name="TextBox 9">
@@ -20739,7 +21290,7 @@
 </p:sld>
 </file>
 
-<file path=ppt/slides/slide48.xml><?xml version="1.0" encoding="utf-8"?>
+<file path=ppt/slides/slide49.xml><?xml version="1.0" encoding="utf-8"?>
 <p:sld xmlns:a="http://schemas.openxmlformats.org/drawingml/2006/main" xmlns:r="http://schemas.openxmlformats.org/officeDocument/2006/relationships" xmlns:p="http://schemas.openxmlformats.org/presentationml/2006/main">
   <p:cSld>
     <p:spTree>
@@ -20906,73 +21457,6 @@
     <p:extLst>
       <p:ext uri="{BB962C8B-B14F-4D97-AF65-F5344CB8AC3E}">
         <p14:creationId xmlns:p14="http://schemas.microsoft.com/office/powerpoint/2010/main" val="3822194190"/>
-      </p:ext>
-    </p:extLst>
-  </p:cSld>
-  <p:clrMapOvr>
-    <a:masterClrMapping/>
-  </p:clrMapOvr>
-</p:sld>
-</file>
-
-<file path=ppt/slides/slide49.xml><?xml version="1.0" encoding="utf-8"?>
-<p:sld xmlns:a="http://schemas.openxmlformats.org/drawingml/2006/main" xmlns:r="http://schemas.openxmlformats.org/officeDocument/2006/relationships" xmlns:p="http://schemas.openxmlformats.org/presentationml/2006/main">
-  <p:cSld>
-    <p:spTree>
-      <p:nvGrpSpPr>
-        <p:cNvPr id="1" name=""/>
-        <p:cNvGrpSpPr/>
-        <p:nvPr/>
-      </p:nvGrpSpPr>
-      <p:grpSpPr>
-        <a:xfrm>
-          <a:off x="0" y="0"/>
-          <a:ext cx="0" cy="0"/>
-          <a:chOff x="0" y="0"/>
-          <a:chExt cx="0" cy="0"/>
-        </a:xfrm>
-      </p:grpSpPr>
-      <p:sp>
-        <p:nvSpPr>
-          <p:cNvPr id="4" name="TextBox 3">
-            <a:extLst>
-              <a:ext uri="{FF2B5EF4-FFF2-40B4-BE49-F238E27FC236}">
-                <a16:creationId xmlns:a16="http://schemas.microsoft.com/office/drawing/2014/main" id="{253AFF4E-34A2-EBC4-9671-C2D5DEBA9D07}"/>
-              </a:ext>
-            </a:extLst>
-          </p:cNvPr>
-          <p:cNvSpPr txBox="1"/>
-          <p:nvPr/>
-        </p:nvSpPr>
-        <p:spPr>
-          <a:xfrm>
-            <a:off x="5469898" y="3105835"/>
-            <a:ext cx="1252267" cy="646331"/>
-          </a:xfrm>
-          <a:prstGeom prst="rect">
-            <a:avLst/>
-          </a:prstGeom>
-          <a:noFill/>
-        </p:spPr>
-        <p:txBody>
-          <a:bodyPr wrap="none" rtlCol="0" anchor="ctr">
-            <a:spAutoFit/>
-          </a:bodyPr>
-          <a:lstStyle/>
-          <a:p>
-            <a:pPr algn="ctr"/>
-            <a:r>
-              <a:rPr lang="en-US" altLang="ko-KR" sz="3600" dirty="0"/>
-              <a:t>stash</a:t>
-            </a:r>
-            <a:endParaRPr lang="ko-KR" altLang="en-US" sz="3600" dirty="0"/>
-          </a:p>
-        </p:txBody>
-      </p:sp>
-    </p:spTree>
-    <p:extLst>
-      <p:ext uri="{BB962C8B-B14F-4D97-AF65-F5344CB8AC3E}">
-        <p14:creationId xmlns:p14="http://schemas.microsoft.com/office/powerpoint/2010/main" val="1109525802"/>
       </p:ext>
     </p:extLst>
   </p:cSld>
@@ -21166,6 +21650,73 @@
       </p:grpSpPr>
       <p:sp>
         <p:nvSpPr>
+          <p:cNvPr id="4" name="TextBox 3">
+            <a:extLst>
+              <a:ext uri="{FF2B5EF4-FFF2-40B4-BE49-F238E27FC236}">
+                <a16:creationId xmlns:a16="http://schemas.microsoft.com/office/drawing/2014/main" id="{253AFF4E-34A2-EBC4-9671-C2D5DEBA9D07}"/>
+              </a:ext>
+            </a:extLst>
+          </p:cNvPr>
+          <p:cNvSpPr txBox="1"/>
+          <p:nvPr/>
+        </p:nvSpPr>
+        <p:spPr>
+          <a:xfrm>
+            <a:off x="5211014" y="3105835"/>
+            <a:ext cx="1770036" cy="646331"/>
+          </a:xfrm>
+          <a:prstGeom prst="rect">
+            <a:avLst/>
+          </a:prstGeom>
+          <a:noFill/>
+        </p:spPr>
+        <p:txBody>
+          <a:bodyPr wrap="none" rtlCol="0" anchor="ctr">
+            <a:spAutoFit/>
+          </a:bodyPr>
+          <a:lstStyle/>
+          <a:p>
+            <a:pPr algn="ctr"/>
+            <a:r>
+              <a:rPr lang="en-US" altLang="ko-KR" sz="3600" dirty="0"/>
+              <a:t>7. stash</a:t>
+            </a:r>
+            <a:endParaRPr lang="ko-KR" altLang="en-US" sz="3600" dirty="0"/>
+          </a:p>
+        </p:txBody>
+      </p:sp>
+    </p:spTree>
+    <p:extLst>
+      <p:ext uri="{BB962C8B-B14F-4D97-AF65-F5344CB8AC3E}">
+        <p14:creationId xmlns:p14="http://schemas.microsoft.com/office/powerpoint/2010/main" val="1109525802"/>
+      </p:ext>
+    </p:extLst>
+  </p:cSld>
+  <p:clrMapOvr>
+    <a:masterClrMapping/>
+  </p:clrMapOvr>
+</p:sld>
+</file>
+
+<file path=ppt/slides/slide51.xml><?xml version="1.0" encoding="utf-8"?>
+<p:sld xmlns:a="http://schemas.openxmlformats.org/drawingml/2006/main" xmlns:r="http://schemas.openxmlformats.org/officeDocument/2006/relationships" xmlns:p="http://schemas.openxmlformats.org/presentationml/2006/main">
+  <p:cSld>
+    <p:spTree>
+      <p:nvGrpSpPr>
+        <p:cNvPr id="1" name=""/>
+        <p:cNvGrpSpPr/>
+        <p:nvPr/>
+      </p:nvGrpSpPr>
+      <p:grpSpPr>
+        <a:xfrm>
+          <a:off x="0" y="0"/>
+          <a:ext cx="0" cy="0"/>
+          <a:chOff x="0" y="0"/>
+          <a:chExt cx="0" cy="0"/>
+        </a:xfrm>
+      </p:grpSpPr>
+      <p:sp>
+        <p:nvSpPr>
           <p:cNvPr id="2" name="TextBox 1">
             <a:extLst>
               <a:ext uri="{FF2B5EF4-FFF2-40B4-BE49-F238E27FC236}">
@@ -21315,7 +21866,7 @@
 </p:sld>
 </file>
 
-<file path=ppt/slides/slide51.xml><?xml version="1.0" encoding="utf-8"?>
+<file path=ppt/slides/slide52.xml><?xml version="1.0" encoding="utf-8"?>
 <p:sld xmlns:a="http://schemas.openxmlformats.org/drawingml/2006/main" xmlns:r="http://schemas.openxmlformats.org/officeDocument/2006/relationships" xmlns:p="http://schemas.openxmlformats.org/presentationml/2006/main">
   <p:cSld>
     <p:spTree>
@@ -21502,7 +22053,7 @@
 </p:sld>
 </file>
 
-<file path=ppt/slides/slide52.xml><?xml version="1.0" encoding="utf-8"?>
+<file path=ppt/slides/slide53.xml><?xml version="1.0" encoding="utf-8"?>
 <p:sld xmlns:a="http://schemas.openxmlformats.org/drawingml/2006/main" xmlns:r="http://schemas.openxmlformats.org/officeDocument/2006/relationships" xmlns:p="http://schemas.openxmlformats.org/presentationml/2006/main">
   <p:cSld>
     <p:spTree>
@@ -21829,7 +22380,7 @@
 </p:sld>
 </file>
 
-<file path=ppt/slides/slide53.xml><?xml version="1.0" encoding="utf-8"?>
+<file path=ppt/slides/slide54.xml><?xml version="1.0" encoding="utf-8"?>
 <p:sld xmlns:a="http://schemas.openxmlformats.org/drawingml/2006/main" xmlns:r="http://schemas.openxmlformats.org/officeDocument/2006/relationships" xmlns:p="http://schemas.openxmlformats.org/presentationml/2006/main">
   <p:cSld>
     <p:spTree>
@@ -22041,7 +22592,7 @@
 </p:sld>
 </file>
 
-<file path=ppt/slides/slide54.xml><?xml version="1.0" encoding="utf-8"?>
+<file path=ppt/slides/slide55.xml><?xml version="1.0" encoding="utf-8"?>
 <p:sld xmlns:a="http://schemas.openxmlformats.org/drawingml/2006/main" xmlns:r="http://schemas.openxmlformats.org/officeDocument/2006/relationships" xmlns:p="http://schemas.openxmlformats.org/presentationml/2006/main">
   <p:cSld>
     <p:spTree>
